--- a/_site/papers/IFAC2020/example.pptx
+++ b/_site/papers/IFAC2020/example.pptx
@@ -3816,7 +3816,7 @@
             </a:r>
             <a:r>
               <a:rPr lang="en-US" altLang="zh-CN" b="1" i="1" dirty="0"/>
-              <a:t>L(S </a:t>
+              <a:t>L(S</a:t>
             </a:r>
             <a:r>
               <a:rPr lang="zh-CN" altLang="en-US" b="1" i="1" baseline="30000" dirty="0"/>
